--- a/CSCI 3308.pptx
+++ b/CSCI 3308.pptx
@@ -5890,6 +5890,12 @@
             </a:r>
           </a:p>
           <a:p>
+            <a:r>
+              <a:rPr lang="en-US" dirty="0"/>
+              <a:t>Google Drive – Used for documenting our milestones and sharing it with one another (Crucial – 4)</a:t>
+            </a:r>
+          </a:p>
+          <a:p>
             <a:pPr marL="0" indent="0">
               <a:buNone/>
             </a:pPr>
